--- a/3_Spark_Streaming_Concepts/Spark_SQL.pptx
+++ b/3_Spark_Streaming_Concepts/Spark_SQL.pptx
@@ -9360,21 +9360,44 @@
           </a:p>
         </p:txBody>
       </p:sp>
+      <p:sp>
+        <p:nvSpPr>
+          <p:cNvPr id="5" name="Content Placeholder 4">
+            <a:extLst>
+              <a:ext uri="{FF2B5EF4-FFF2-40B4-BE49-F238E27FC236}">
+                <a16:creationId xmlns:a16="http://schemas.microsoft.com/office/drawing/2014/main" id="{20DEB28F-2F65-4532-BBE3-DACC0AED2AC2}"/>
+              </a:ext>
+            </a:extLst>
+          </p:cNvPr>
+          <p:cNvSpPr>
+            <a:spLocks noGrp="1"/>
+          </p:cNvSpPr>
+          <p:nvPr>
+            <p:ph idx="1"/>
+          </p:nvPr>
+        </p:nvSpPr>
+        <p:spPr/>
+        <p:txBody>
+          <a:bodyPr/>
+          <a:lstStyle/>
+          <a:p>
+            <a:endParaRPr lang="en-US" dirty="0"/>
+          </a:p>
+        </p:txBody>
+      </p:sp>
       <p:pic>
         <p:nvPicPr>
-          <p:cNvPr id="6" name="Content Placeholder 5" descr="A screenshot of a cell phone&#10;&#10;Description automatically generated">
+          <p:cNvPr id="7" name="Picture 6">
             <a:extLst>
               <a:ext uri="{FF2B5EF4-FFF2-40B4-BE49-F238E27FC236}">
-                <a16:creationId xmlns:a16="http://schemas.microsoft.com/office/drawing/2014/main" id="{C8C44590-2B58-46A2-9A9C-502107100687}"/>
+                <a16:creationId xmlns:a16="http://schemas.microsoft.com/office/drawing/2014/main" id="{F1A4E597-79C5-471F-909F-E115036F826D}"/>
               </a:ext>
             </a:extLst>
           </p:cNvPr>
           <p:cNvPicPr>
-            <a:picLocks noGrp="1" noChangeAspect="1"/>
+            <a:picLocks noChangeAspect="1"/>
           </p:cNvPicPr>
-          <p:nvPr>
-            <p:ph idx="1"/>
-          </p:nvPr>
+          <p:nvPr/>
         </p:nvPicPr>
         <p:blipFill>
           <a:blip r:embed="rId2"/>
@@ -9384,8 +9407,8 @@
         </p:blipFill>
         <p:spPr>
           <a:xfrm>
-            <a:off x="298981" y="1209572"/>
-            <a:ext cx="5929401" cy="2955168"/>
+            <a:off x="308867" y="1111923"/>
+            <a:ext cx="7713148" cy="3585530"/>
           </a:xfrm>
           <a:prstGeom prst="rect">
             <a:avLst/>
@@ -9515,7 +9538,27 @@
           <a:p>
             <a:r>
               <a:rPr lang="en-US" dirty="0"/>
-              <a:t>Can be used as is or with Dataset API</a:t>
+              <a:t>Uses structure to perform extra optimizations</a:t>
+            </a:r>
+          </a:p>
+          <a:p>
+            <a:r>
+              <a:rPr lang="en-US" dirty="0"/>
+              <a:t>Works with a variety of </a:t>
+            </a:r>
+            <a:r>
+              <a:rPr lang="en-US" dirty="0" err="1"/>
+              <a:t>datasources</a:t>
+            </a:r>
+            <a:r>
+              <a:rPr lang="en-US" dirty="0"/>
+              <a:t>: JSON, Hive, Parquet etc.</a:t>
+            </a:r>
+          </a:p>
+          <a:p>
+            <a:r>
+              <a:rPr lang="en-US" dirty="0"/>
+              <a:t>Can be used as is (SQL code) or with Dataset API</a:t>
             </a:r>
           </a:p>
         </p:txBody>
@@ -10837,12 +10880,9 @@
 </file>
 
 <file path=customXml/item1.xml><?xml version="1.0" encoding="utf-8"?>
-<?mso-contentType ?>
-<FormTemplates xmlns="http://schemas.microsoft.com/sharepoint/v3/contenttype/forms">
-  <Display>DocumentLibraryForm</Display>
-  <Edit>DocumentLibraryForm</Edit>
-  <New>DocumentLibraryForm</New>
-</FormTemplates>
+<p:properties xmlns:p="http://schemas.microsoft.com/office/2006/metadata/properties" xmlns:xsi="http://www.w3.org/2001/XMLSchema-instance" xmlns:pc="http://schemas.microsoft.com/office/infopath/2007/PartnerControls">
+  <documentManagement/>
+</p:properties>
 </file>
 
 <file path=customXml/item2.xml><?xml version="1.0" encoding="utf-8"?>
@@ -11011,15 +11051,27 @@
 </file>
 
 <file path=customXml/item3.xml><?xml version="1.0" encoding="utf-8"?>
-<p:properties xmlns:p="http://schemas.microsoft.com/office/2006/metadata/properties" xmlns:xsi="http://www.w3.org/2001/XMLSchema-instance" xmlns:pc="http://schemas.microsoft.com/office/infopath/2007/PartnerControls">
-  <documentManagement/>
-</p:properties>
+<?mso-contentType ?>
+<FormTemplates xmlns="http://schemas.microsoft.com/sharepoint/v3/contenttype/forms">
+  <Display>DocumentLibraryForm</Display>
+  <Edit>DocumentLibraryForm</Edit>
+  <New>DocumentLibraryForm</New>
+</FormTemplates>
 </file>
 
 <file path=customXml/itemProps1.xml><?xml version="1.0" encoding="utf-8"?>
-<ds:datastoreItem xmlns:ds="http://schemas.openxmlformats.org/officeDocument/2006/customXml" ds:itemID="{CF9D2C0E-8EC1-40ED-8E3B-49799F2A819F}">
+<ds:datastoreItem xmlns:ds="http://schemas.openxmlformats.org/officeDocument/2006/customXml" ds:itemID="{FC42EE84-F11C-42C7-AEE1-990C959312CE}">
   <ds:schemaRefs>
-    <ds:schemaRef ds:uri="http://schemas.microsoft.com/sharepoint/v3/contenttype/forms"/>
+    <ds:schemaRef ds:uri="http://schemas.microsoft.com/office/2006/documentManagement/types"/>
+    <ds:schemaRef ds:uri="http://www.w3.org/XML/1998/namespace"/>
+    <ds:schemaRef ds:uri="http://purl.org/dc/terms/"/>
+    <ds:schemaRef ds:uri="http://purl.org/dc/dcmitype/"/>
+    <ds:schemaRef ds:uri="http://schemas.microsoft.com/office/infopath/2007/PartnerControls"/>
+    <ds:schemaRef ds:uri="http://purl.org/dc/elements/1.1/"/>
+    <ds:schemaRef ds:uri="http://schemas.microsoft.com/office/2006/metadata/properties"/>
+    <ds:schemaRef ds:uri="http://schemas.openxmlformats.org/package/2006/metadata/core-properties"/>
+    <ds:schemaRef ds:uri="f9d38366-44fa-4455-b38c-7d58d880822d"/>
+    <ds:schemaRef ds:uri="ec6ec6ed-b5e9-44ae-a1e4-02d3a5f2b088"/>
   </ds:schemaRefs>
 </ds:datastoreItem>
 </file>
@@ -11044,18 +11096,9 @@
 </file>
 
 <file path=customXml/itemProps3.xml><?xml version="1.0" encoding="utf-8"?>
-<ds:datastoreItem xmlns:ds="http://schemas.openxmlformats.org/officeDocument/2006/customXml" ds:itemID="{FC42EE84-F11C-42C7-AEE1-990C959312CE}">
+<ds:datastoreItem xmlns:ds="http://schemas.openxmlformats.org/officeDocument/2006/customXml" ds:itemID="{CF9D2C0E-8EC1-40ED-8E3B-49799F2A819F}">
   <ds:schemaRefs>
-    <ds:schemaRef ds:uri="http://schemas.microsoft.com/office/2006/documentManagement/types"/>
-    <ds:schemaRef ds:uri="http://www.w3.org/XML/1998/namespace"/>
-    <ds:schemaRef ds:uri="http://purl.org/dc/terms/"/>
-    <ds:schemaRef ds:uri="http://purl.org/dc/dcmitype/"/>
-    <ds:schemaRef ds:uri="http://schemas.microsoft.com/office/infopath/2007/PartnerControls"/>
-    <ds:schemaRef ds:uri="http://purl.org/dc/elements/1.1/"/>
-    <ds:schemaRef ds:uri="http://schemas.microsoft.com/office/2006/metadata/properties"/>
-    <ds:schemaRef ds:uri="http://schemas.openxmlformats.org/package/2006/metadata/core-properties"/>
-    <ds:schemaRef ds:uri="f9d38366-44fa-4455-b38c-7d58d880822d"/>
-    <ds:schemaRef ds:uri="ec6ec6ed-b5e9-44ae-a1e4-02d3a5f2b088"/>
+    <ds:schemaRef ds:uri="http://schemas.microsoft.com/sharepoint/v3/contenttype/forms"/>
   </ds:schemaRefs>
 </ds:datastoreItem>
 </file>